--- a/neph_allderm/uniq/heatmap.pptx
+++ b/neph_allderm/uniq/heatmap.pptx
@@ -289,7 +289,7 @@
             <a:fld id="{1D8BD707-D9CF-40AE-B4C6-C98DA3205C09}" type="datetimeFigureOut">
               <a:rPr lang="en-US" smtClean="0"/>
               <a:pPr/>
-              <a:t>5/18/2015</a:t>
+              <a:t>6/11/2015</a:t>
             </a:fld>
             <a:endParaRPr lang="en-US"/>
           </a:p>
@@ -456,7 +456,7 @@
             <a:fld id="{1D8BD707-D9CF-40AE-B4C6-C98DA3205C09}" type="datetimeFigureOut">
               <a:rPr lang="en-US" smtClean="0"/>
               <a:pPr/>
-              <a:t>5/18/2015</a:t>
+              <a:t>6/11/2015</a:t>
             </a:fld>
             <a:endParaRPr lang="en-US"/>
           </a:p>
@@ -633,7 +633,7 @@
             <a:fld id="{1D8BD707-D9CF-40AE-B4C6-C98DA3205C09}" type="datetimeFigureOut">
               <a:rPr lang="en-US" smtClean="0"/>
               <a:pPr/>
-              <a:t>5/18/2015</a:t>
+              <a:t>6/11/2015</a:t>
             </a:fld>
             <a:endParaRPr lang="en-US"/>
           </a:p>
@@ -800,7 +800,7 @@
             <a:fld id="{1D8BD707-D9CF-40AE-B4C6-C98DA3205C09}" type="datetimeFigureOut">
               <a:rPr lang="en-US" smtClean="0"/>
               <a:pPr/>
-              <a:t>5/18/2015</a:t>
+              <a:t>6/11/2015</a:t>
             </a:fld>
             <a:endParaRPr lang="en-US"/>
           </a:p>
@@ -1043,7 +1043,7 @@
             <a:fld id="{1D8BD707-D9CF-40AE-B4C6-C98DA3205C09}" type="datetimeFigureOut">
               <a:rPr lang="en-US" smtClean="0"/>
               <a:pPr/>
-              <a:t>5/18/2015</a:t>
+              <a:t>6/11/2015</a:t>
             </a:fld>
             <a:endParaRPr lang="en-US"/>
           </a:p>
@@ -1328,7 +1328,7 @@
             <a:fld id="{1D8BD707-D9CF-40AE-B4C6-C98DA3205C09}" type="datetimeFigureOut">
               <a:rPr lang="en-US" smtClean="0"/>
               <a:pPr/>
-              <a:t>5/18/2015</a:t>
+              <a:t>6/11/2015</a:t>
             </a:fld>
             <a:endParaRPr lang="en-US"/>
           </a:p>
@@ -1747,7 +1747,7 @@
             <a:fld id="{1D8BD707-D9CF-40AE-B4C6-C98DA3205C09}" type="datetimeFigureOut">
               <a:rPr lang="en-US" smtClean="0"/>
               <a:pPr/>
-              <a:t>5/18/2015</a:t>
+              <a:t>6/11/2015</a:t>
             </a:fld>
             <a:endParaRPr lang="en-US"/>
           </a:p>
@@ -1862,7 +1862,7 @@
             <a:fld id="{1D8BD707-D9CF-40AE-B4C6-C98DA3205C09}" type="datetimeFigureOut">
               <a:rPr lang="en-US" smtClean="0"/>
               <a:pPr/>
-              <a:t>5/18/2015</a:t>
+              <a:t>6/11/2015</a:t>
             </a:fld>
             <a:endParaRPr lang="en-US"/>
           </a:p>
@@ -1954,7 +1954,7 @@
             <a:fld id="{1D8BD707-D9CF-40AE-B4C6-C98DA3205C09}" type="datetimeFigureOut">
               <a:rPr lang="en-US" smtClean="0"/>
               <a:pPr/>
-              <a:t>5/18/2015</a:t>
+              <a:t>6/11/2015</a:t>
             </a:fld>
             <a:endParaRPr lang="en-US"/>
           </a:p>
@@ -2228,7 +2228,7 @@
             <a:fld id="{1D8BD707-D9CF-40AE-B4C6-C98DA3205C09}" type="datetimeFigureOut">
               <a:rPr lang="en-US" smtClean="0"/>
               <a:pPr/>
-              <a:t>5/18/2015</a:t>
+              <a:t>6/11/2015</a:t>
             </a:fld>
             <a:endParaRPr lang="en-US"/>
           </a:p>
@@ -2478,7 +2478,7 @@
             <a:fld id="{1D8BD707-D9CF-40AE-B4C6-C98DA3205C09}" type="datetimeFigureOut">
               <a:rPr lang="en-US" smtClean="0"/>
               <a:pPr/>
-              <a:t>5/18/2015</a:t>
+              <a:t>6/11/2015</a:t>
             </a:fld>
             <a:endParaRPr lang="en-US"/>
           </a:p>
@@ -2688,7 +2688,7 @@
             <a:fld id="{1D8BD707-D9CF-40AE-B4C6-C98DA3205C09}" type="datetimeFigureOut">
               <a:rPr lang="en-US" smtClean="0"/>
               <a:pPr/>
-              <a:t>5/18/2015</a:t>
+              <a:t>6/11/2015</a:t>
             </a:fld>
             <a:endParaRPr lang="en-US"/>
           </a:p>
@@ -3059,6 +3059,47 @@
           <a:chExt cx="0" cy="0"/>
         </a:xfrm>
       </p:grpSpPr>
+      <p:pic>
+        <p:nvPicPr>
+          <p:cNvPr id="1026" name="Picture 2" descr="D:\Workspace\ENCODE_2.0\neph_allderm\uniq\heatmap.png"/>
+          <p:cNvPicPr>
+            <a:picLocks noChangeAspect="1" noChangeArrowheads="1"/>
+          </p:cNvPicPr>
+          <p:nvPr/>
+        </p:nvPicPr>
+        <p:blipFill>
+          <a:blip r:embed="rId2">
+            <a:extLst>
+              <a:ext uri="{28A0092B-C50C-407E-A947-70E740481C1C}">
+                <a14:useLocalDpi xmlns:a14="http://schemas.microsoft.com/office/drawing/2010/main" val="0"/>
+              </a:ext>
+            </a:extLst>
+          </a:blip>
+          <a:srcRect/>
+          <a:stretch>
+            <a:fillRect/>
+          </a:stretch>
+        </p:blipFill>
+        <p:spPr bwMode="auto">
+          <a:xfrm>
+            <a:off x="161525" y="93"/>
+            <a:ext cx="8982475" cy="6736564"/>
+          </a:xfrm>
+          <a:prstGeom prst="rect">
+            <a:avLst/>
+          </a:prstGeom>
+          <a:noFill/>
+          <a:extLst>
+            <a:ext uri="{909E8E84-426E-40DD-AFC4-6F175D3DCCD1}">
+              <a14:hiddenFill xmlns:a14="http://schemas.microsoft.com/office/drawing/2010/main">
+                <a:solidFill>
+                  <a:srgbClr val="FFFFFF"/>
+                </a:solidFill>
+              </a14:hiddenFill>
+            </a:ext>
+          </a:extLst>
+        </p:spPr>
+      </p:pic>
       <p:cxnSp>
         <p:nvCxnSpPr>
           <p:cNvPr id="5" name="Straight Connector 4"/>
@@ -3067,7 +3108,7 @@
         </p:nvCxnSpPr>
         <p:spPr>
           <a:xfrm>
-            <a:off x="581525" y="6353475"/>
+            <a:off x="610100" y="6343950"/>
             <a:ext cx="0" cy="442906"/>
           </a:xfrm>
           <a:prstGeom prst="line">
@@ -3102,7 +3143,7 @@
         </p:nvCxnSpPr>
         <p:spPr>
           <a:xfrm>
-            <a:off x="2951750" y="6353475"/>
+            <a:off x="2980325" y="6343950"/>
             <a:ext cx="0" cy="442906"/>
           </a:xfrm>
           <a:prstGeom prst="line">
@@ -3137,7 +3178,7 @@
         </p:nvCxnSpPr>
         <p:spPr>
           <a:xfrm>
-            <a:off x="5324375" y="6353475"/>
+            <a:off x="5352950" y="6343950"/>
             <a:ext cx="0" cy="443256"/>
           </a:xfrm>
           <a:prstGeom prst="line">
@@ -3172,7 +3213,7 @@
         </p:nvCxnSpPr>
         <p:spPr>
           <a:xfrm>
-            <a:off x="7714650" y="6353475"/>
+            <a:off x="7724175" y="6343950"/>
             <a:ext cx="0" cy="447668"/>
           </a:xfrm>
           <a:prstGeom prst="line">
@@ -3207,7 +3248,7 @@
         </p:nvSpPr>
         <p:spPr>
           <a:xfrm>
-            <a:off x="1600500" y="6559948"/>
+            <a:off x="1609825" y="6559948"/>
             <a:ext cx="296876" cy="369332"/>
           </a:xfrm>
           <a:prstGeom prst="rect">
@@ -3237,7 +3278,7 @@
         </p:nvSpPr>
         <p:spPr>
           <a:xfrm>
-            <a:off x="3971925" y="6566496"/>
+            <a:off x="3981650" y="6566496"/>
             <a:ext cx="306494" cy="369332"/>
           </a:xfrm>
           <a:prstGeom prst="rect">
@@ -3267,7 +3308,7 @@
         </p:nvSpPr>
         <p:spPr>
           <a:xfrm>
-            <a:off x="6334125" y="6569473"/>
+            <a:off x="6346192" y="6569473"/>
             <a:ext cx="340158" cy="369332"/>
           </a:xfrm>
           <a:prstGeom prst="rect">
@@ -3297,7 +3338,7 @@
         </p:nvCxnSpPr>
         <p:spPr>
           <a:xfrm flipH="1">
-            <a:off x="142475" y="6353575"/>
+            <a:off x="161525" y="6334525"/>
             <a:ext cx="438150" cy="0"/>
           </a:xfrm>
           <a:prstGeom prst="line">
@@ -3332,7 +3373,7 @@
         </p:nvCxnSpPr>
         <p:spPr>
           <a:xfrm flipH="1">
-            <a:off x="142475" y="4304604"/>
+            <a:off x="171050" y="4438254"/>
             <a:ext cx="438150" cy="596"/>
           </a:xfrm>
           <a:prstGeom prst="line">
@@ -3367,7 +3408,7 @@
         </p:nvCxnSpPr>
         <p:spPr>
           <a:xfrm flipH="1">
-            <a:off x="142477" y="2257125"/>
+            <a:off x="171052" y="2524325"/>
             <a:ext cx="438148" cy="0"/>
           </a:xfrm>
           <a:prstGeom prst="line">
@@ -3402,7 +3443,7 @@
         </p:nvCxnSpPr>
         <p:spPr>
           <a:xfrm flipH="1">
-            <a:off x="132850" y="195033"/>
+            <a:off x="169966" y="583365"/>
             <a:ext cx="438150" cy="0"/>
           </a:xfrm>
           <a:prstGeom prst="line">
@@ -3437,7 +3478,7 @@
         </p:nvSpPr>
         <p:spPr>
           <a:xfrm>
-            <a:off x="199725" y="-56950"/>
+            <a:off x="248264" y="304800"/>
             <a:ext cx="609700" cy="307777"/>
           </a:xfrm>
           <a:prstGeom prst="rect">
@@ -3500,7 +3541,7 @@
         </p:nvSpPr>
         <p:spPr>
           <a:xfrm>
-            <a:off x="-66675" y="5076825"/>
+            <a:off x="-48125" y="5143500"/>
             <a:ext cx="296876" cy="369332"/>
           </a:xfrm>
           <a:prstGeom prst="rect">
@@ -3530,7 +3571,7 @@
         </p:nvSpPr>
         <p:spPr>
           <a:xfrm>
-            <a:off x="-63282" y="3038475"/>
+            <a:off x="-44732" y="3221593"/>
             <a:ext cx="306494" cy="369332"/>
           </a:xfrm>
           <a:prstGeom prst="rect">
@@ -3560,7 +3601,7 @@
         </p:nvSpPr>
         <p:spPr>
           <a:xfrm>
-            <a:off x="-60169" y="981075"/>
+            <a:off x="-41619" y="1307068"/>
             <a:ext cx="340158" cy="369332"/>
           </a:xfrm>
           <a:prstGeom prst="rect">
@@ -3619,47 +3660,6 @@
           </a:p>
         </p:txBody>
       </p:sp>
-      <p:pic>
-        <p:nvPicPr>
-          <p:cNvPr id="2" name="Picture 2" descr="D:\Workspace\ENCODE_2.0\neph_allderm\uniq\heatmap.png"/>
-          <p:cNvPicPr>
-            <a:picLocks noChangeAspect="1" noChangeArrowheads="1"/>
-          </p:cNvPicPr>
-          <p:nvPr/>
-        </p:nvPicPr>
-        <p:blipFill>
-          <a:blip r:embed="rId2">
-            <a:extLst>
-              <a:ext uri="{28A0092B-C50C-407E-A947-70E740481C1C}">
-                <a14:useLocalDpi xmlns:a14="http://schemas.microsoft.com/office/drawing/2010/main" val="0"/>
-              </a:ext>
-            </a:extLst>
-          </a:blip>
-          <a:srcRect/>
-          <a:stretch>
-            <a:fillRect/>
-          </a:stretch>
-        </p:blipFill>
-        <p:spPr bwMode="auto">
-          <a:xfrm>
-            <a:off x="123824" y="1587"/>
-            <a:ext cx="9020175" cy="6764838"/>
-          </a:xfrm>
-          <a:prstGeom prst="rect">
-            <a:avLst/>
-          </a:prstGeom>
-          <a:noFill/>
-          <a:extLst>
-            <a:ext uri="{909E8E84-426E-40DD-AFC4-6F175D3DCCD1}">
-              <a14:hiddenFill xmlns:a14="http://schemas.microsoft.com/office/drawing/2010/main">
-                <a:solidFill>
-                  <a:srgbClr val="FFFFFF"/>
-                </a:solidFill>
-              </a14:hiddenFill>
-            </a:ext>
-          </a:extLst>
-        </p:spPr>
-      </p:pic>
       <p:sp>
         <p:nvSpPr>
           <p:cNvPr id="21" name="TextBox 20"/>
